--- a/.lessons/12 Fundamental. Templating and Views/1 Laravel View Introduction/Laravel View Introduction.pptx
+++ b/.lessons/12 Fundamental. Templating and Views/1 Laravel View Introduction/Laravel View Introduction.pptx
@@ -13,6 +13,8 @@
     <p:sldId id="334" r:id="rId7"/>
     <p:sldId id="339" r:id="rId8"/>
     <p:sldId id="340" r:id="rId9"/>
+    <p:sldId id="341" r:id="rId10"/>
+    <p:sldId id="342" r:id="rId11"/>
   </p:sldIdLst>
   <p:sldSz cx="12192000" cy="6858000"/>
   <p:notesSz cx="6858000" cy="9144000"/>
@@ -3834,6 +3836,103 @@
 </p:sld>
 </file>
 
+<file path=ppt/slides/slide10.xml><?xml version="1.0" encoding="utf-8"?>
+<p:sld xmlns:a="http://schemas.openxmlformats.org/drawingml/2006/main" xmlns:r="http://schemas.openxmlformats.org/officeDocument/2006/relationships" xmlns:p="http://schemas.openxmlformats.org/presentationml/2006/main">
+  <p:cSld>
+    <p:spTree>
+      <p:nvGrpSpPr>
+        <p:cNvPr id="1" name="">
+          <a:extLst>
+            <a:ext uri="{FF2B5EF4-FFF2-40B4-BE49-F238E27FC236}">
+              <a16:creationId xmlns:a16="http://schemas.microsoft.com/office/drawing/2014/main" id="{2D525CEA-3AA0-F325-E08B-003A3CA4734A}"/>
+            </a:ext>
+          </a:extLst>
+        </p:cNvPr>
+        <p:cNvGrpSpPr/>
+        <p:nvPr/>
+      </p:nvGrpSpPr>
+      <p:grpSpPr>
+        <a:xfrm>
+          <a:off x="0" y="0"/>
+          <a:ext cx="0" cy="0"/>
+          <a:chOff x="0" y="0"/>
+          <a:chExt cx="0" cy="0"/>
+        </a:xfrm>
+      </p:grpSpPr>
+      <p:sp>
+        <p:nvSpPr>
+          <p:cNvPr id="3" name="TextBox 2">
+            <a:extLst>
+              <a:ext uri="{FF2B5EF4-FFF2-40B4-BE49-F238E27FC236}">
+                <a16:creationId xmlns:a16="http://schemas.microsoft.com/office/drawing/2014/main" id="{A876D190-8B81-663C-A00B-53F89A729FD4}"/>
+              </a:ext>
+            </a:extLst>
+          </p:cNvPr>
+          <p:cNvSpPr txBox="1"/>
+          <p:nvPr/>
+        </p:nvSpPr>
+        <p:spPr>
+          <a:xfrm>
+            <a:off x="217714" y="255046"/>
+            <a:ext cx="11756571" cy="655436"/>
+          </a:xfrm>
+          <a:prstGeom prst="rect">
+            <a:avLst/>
+          </a:prstGeom>
+          <a:noFill/>
+        </p:spPr>
+        <p:txBody>
+          <a:bodyPr wrap="square">
+            <a:spAutoFit/>
+          </a:bodyPr>
+          <a:lstStyle/>
+          <a:p>
+            <a:pPr>
+              <a:lnSpc>
+                <a:spcPct val="150000"/>
+              </a:lnSpc>
+              <a:buNone/>
+            </a:pPr>
+            <a:r>
+              <a:rPr kumimoji="0" lang="en-US" altLang="en-US" sz="1300" b="0" i="0" u="none" strike="noStrike" cap="none" normalizeH="0" baseline="0">
+                <a:ln>
+                  <a:noFill/>
+                </a:ln>
+                <a:solidFill>
+                  <a:schemeClr val="tx1"/>
+                </a:solidFill>
+                <a:effectLst/>
+                <a:latin typeface="Arial" panose="020B0604020202020204" pitchFamily="34" charset="0"/>
+              </a:rPr>
+              <a:t>.</a:t>
+            </a:r>
+          </a:p>
+          <a:p>
+            <a:pPr>
+              <a:lnSpc>
+                <a:spcPct val="150000"/>
+              </a:lnSpc>
+            </a:pPr>
+            <a:endParaRPr lang="en-US" sz="1300">
+              <a:latin typeface="Arial" panose="020B0604020202020204" pitchFamily="34" charset="0"/>
+              <a:cs typeface="Arial" panose="020B0604020202020204" pitchFamily="34" charset="0"/>
+            </a:endParaRPr>
+          </a:p>
+        </p:txBody>
+      </p:sp>
+    </p:spTree>
+    <p:extLst>
+      <p:ext uri="{BB962C8B-B14F-4D97-AF65-F5344CB8AC3E}">
+        <p14:creationId xmlns:p14="http://schemas.microsoft.com/office/powerpoint/2010/main" val="3133924246"/>
+      </p:ext>
+    </p:extLst>
+  </p:cSld>
+  <p:clrMapOvr>
+    <a:masterClrMapping/>
+  </p:clrMapOvr>
+</p:sld>
+</file>
+
 <file path=ppt/slides/slide2.xml><?xml version="1.0" encoding="utf-8"?>
 <p:sld xmlns:a="http://schemas.openxmlformats.org/drawingml/2006/main" xmlns:r="http://schemas.openxmlformats.org/officeDocument/2006/relationships" xmlns:p="http://schemas.openxmlformats.org/presentationml/2006/main">
   <p:cSld>
@@ -5881,6 +5980,550 @@
         <p:spPr>
           <a:xfrm>
             <a:off x="217714" y="255046"/>
+            <a:ext cx="11756571" cy="6218497"/>
+          </a:xfrm>
+          <a:prstGeom prst="rect">
+            <a:avLst/>
+          </a:prstGeom>
+          <a:noFill/>
+        </p:spPr>
+        <p:txBody>
+          <a:bodyPr wrap="square">
+            <a:spAutoFit/>
+          </a:bodyPr>
+          <a:lstStyle/>
+          <a:p>
+            <a:pPr>
+              <a:lnSpc>
+                <a:spcPct val="150000"/>
+              </a:lnSpc>
+              <a:buNone/>
+            </a:pPr>
+            <a:r>
+              <a:rPr kumimoji="0" lang="en-US" altLang="en-US" sz="1300" b="1" i="0" u="none" strike="noStrike" cap="none" normalizeH="0" baseline="0">
+                <a:ln>
+                  <a:noFill/>
+                </a:ln>
+                <a:solidFill>
+                  <a:schemeClr val="tx1"/>
+                </a:solidFill>
+                <a:effectLst/>
+                <a:latin typeface="Arial" panose="020B0604020202020204" pitchFamily="34" charset="0"/>
+              </a:rPr>
+              <a:t>$mergeData </a:t>
+            </a:r>
+            <a:r>
+              <a:rPr kumimoji="0" lang="en-US" altLang="en-US" sz="1300" b="0" i="0" u="none" strike="noStrike" cap="none" normalizeH="0" baseline="0">
+                <a:ln>
+                  <a:noFill/>
+                </a:ln>
+                <a:solidFill>
+                  <a:schemeClr val="tx1"/>
+                </a:solidFill>
+                <a:effectLst/>
+                <a:latin typeface="Arial" panose="020B0604020202020204" pitchFamily="34" charset="0"/>
+              </a:rPr>
+              <a:t>— $data ilə birlikdə birləşdirilən əlavə məlumatlardır, amma əsas məqsədi daha daxili (internal) istifadə üçündür, əsasən view rendering prosesində dinamik dəyişən əlavə etmək üçün istifadə olunur.</a:t>
+            </a:r>
+            <a:endParaRPr kumimoji="0" lang="az-Latn-AZ" altLang="en-US" sz="1300" b="0" i="0" u="none" strike="noStrike" cap="none" normalizeH="0" baseline="0">
+              <a:ln>
+                <a:noFill/>
+              </a:ln>
+              <a:solidFill>
+                <a:schemeClr val="tx1"/>
+              </a:solidFill>
+              <a:effectLst/>
+              <a:latin typeface="Arial" panose="020B0604020202020204" pitchFamily="34" charset="0"/>
+            </a:endParaRPr>
+          </a:p>
+          <a:p>
+            <a:pPr>
+              <a:lnSpc>
+                <a:spcPct val="150000"/>
+              </a:lnSpc>
+              <a:buNone/>
+            </a:pPr>
+            <a:endParaRPr lang="az-Latn-AZ" sz="1300">
+              <a:latin typeface="Arial" panose="020B0604020202020204" pitchFamily="34" charset="0"/>
+              <a:cs typeface="Arial" panose="020B0604020202020204" pitchFamily="34" charset="0"/>
+            </a:endParaRPr>
+          </a:p>
+          <a:p>
+            <a:pPr>
+              <a:lnSpc>
+                <a:spcPct val="150000"/>
+              </a:lnSpc>
+              <a:buNone/>
+            </a:pPr>
+            <a:endParaRPr lang="az-Latn-AZ" sz="1300">
+              <a:latin typeface="Arial" panose="020B0604020202020204" pitchFamily="34" charset="0"/>
+              <a:cs typeface="Arial" panose="020B0604020202020204" pitchFamily="34" charset="0"/>
+            </a:endParaRPr>
+          </a:p>
+          <a:p>
+            <a:pPr>
+              <a:lnSpc>
+                <a:spcPct val="150000"/>
+              </a:lnSpc>
+              <a:buNone/>
+            </a:pPr>
+            <a:r>
+              <a:rPr lang="en-US" sz="1300" b="1">
+                <a:latin typeface="Arial" panose="020B0604020202020204" pitchFamily="34" charset="0"/>
+                <a:cs typeface="Arial" panose="020B0604020202020204" pitchFamily="34" charset="0"/>
+              </a:rPr>
+              <a:t>Əgər sən belə yazsan</a:t>
+            </a:r>
+            <a:r>
+              <a:rPr lang="en-US" sz="1300">
+                <a:latin typeface="Arial" panose="020B0604020202020204" pitchFamily="34" charset="0"/>
+                <a:cs typeface="Arial" panose="020B0604020202020204" pitchFamily="34" charset="0"/>
+              </a:rPr>
+              <a:t>:</a:t>
+            </a:r>
+            <a:endParaRPr lang="az-Latn-AZ" sz="1300">
+              <a:latin typeface="Arial" panose="020B0604020202020204" pitchFamily="34" charset="0"/>
+              <a:cs typeface="Arial" panose="020B0604020202020204" pitchFamily="34" charset="0"/>
+            </a:endParaRPr>
+          </a:p>
+          <a:p>
+            <a:pPr>
+              <a:lnSpc>
+                <a:spcPct val="150000"/>
+              </a:lnSpc>
+              <a:buNone/>
+            </a:pPr>
+            <a:endParaRPr lang="az-Latn-AZ" sz="1300">
+              <a:latin typeface="Arial" panose="020B0604020202020204" pitchFamily="34" charset="0"/>
+              <a:cs typeface="Arial" panose="020B0604020202020204" pitchFamily="34" charset="0"/>
+            </a:endParaRPr>
+          </a:p>
+          <a:p>
+            <a:pPr>
+              <a:lnSpc>
+                <a:spcPct val="150000"/>
+              </a:lnSpc>
+              <a:buNone/>
+            </a:pPr>
+            <a:endParaRPr lang="az-Latn-AZ" sz="1300">
+              <a:latin typeface="Arial" panose="020B0604020202020204" pitchFamily="34" charset="0"/>
+              <a:cs typeface="Arial" panose="020B0604020202020204" pitchFamily="34" charset="0"/>
+            </a:endParaRPr>
+          </a:p>
+          <a:p>
+            <a:pPr>
+              <a:lnSpc>
+                <a:spcPct val="150000"/>
+              </a:lnSpc>
+              <a:buNone/>
+            </a:pPr>
+            <a:endParaRPr lang="az-Latn-AZ" sz="1300">
+              <a:latin typeface="Arial" panose="020B0604020202020204" pitchFamily="34" charset="0"/>
+              <a:cs typeface="Arial" panose="020B0604020202020204" pitchFamily="34" charset="0"/>
+            </a:endParaRPr>
+          </a:p>
+          <a:p>
+            <a:pPr>
+              <a:lnSpc>
+                <a:spcPct val="150000"/>
+              </a:lnSpc>
+              <a:buNone/>
+            </a:pPr>
+            <a:endParaRPr lang="az-Latn-AZ" sz="1300">
+              <a:latin typeface="Arial" panose="020B0604020202020204" pitchFamily="34" charset="0"/>
+              <a:cs typeface="Arial" panose="020B0604020202020204" pitchFamily="34" charset="0"/>
+            </a:endParaRPr>
+          </a:p>
+          <a:p>
+            <a:pPr>
+              <a:lnSpc>
+                <a:spcPct val="150000"/>
+              </a:lnSpc>
+              <a:buNone/>
+            </a:pPr>
+            <a:r>
+              <a:rPr lang="en-US" sz="1400" b="1"/>
+              <a:t>Laravel bu iki array-i birləşdirir və nəticədə belə birləşmiş data olur</a:t>
+            </a:r>
+            <a:r>
+              <a:rPr lang="en-US" sz="1400"/>
+              <a:t>:</a:t>
+            </a:r>
+            <a:endParaRPr lang="az-Latn-AZ" sz="1400"/>
+          </a:p>
+          <a:p>
+            <a:pPr>
+              <a:lnSpc>
+                <a:spcPct val="150000"/>
+              </a:lnSpc>
+              <a:buNone/>
+            </a:pPr>
+            <a:endParaRPr lang="az-Latn-AZ" sz="1400">
+              <a:latin typeface="Arial" panose="020B0604020202020204" pitchFamily="34" charset="0"/>
+              <a:cs typeface="Arial" panose="020B0604020202020204" pitchFamily="34" charset="0"/>
+            </a:endParaRPr>
+          </a:p>
+          <a:p>
+            <a:pPr>
+              <a:lnSpc>
+                <a:spcPct val="150000"/>
+              </a:lnSpc>
+              <a:buNone/>
+            </a:pPr>
+            <a:endParaRPr lang="az-Latn-AZ" sz="1400">
+              <a:latin typeface="Arial" panose="020B0604020202020204" pitchFamily="34" charset="0"/>
+              <a:cs typeface="Arial" panose="020B0604020202020204" pitchFamily="34" charset="0"/>
+            </a:endParaRPr>
+          </a:p>
+          <a:p>
+            <a:pPr>
+              <a:lnSpc>
+                <a:spcPct val="150000"/>
+              </a:lnSpc>
+              <a:buNone/>
+            </a:pPr>
+            <a:endParaRPr lang="az-Latn-AZ" sz="1400">
+              <a:latin typeface="Arial" panose="020B0604020202020204" pitchFamily="34" charset="0"/>
+              <a:cs typeface="Arial" panose="020B0604020202020204" pitchFamily="34" charset="0"/>
+            </a:endParaRPr>
+          </a:p>
+          <a:p>
+            <a:pPr>
+              <a:lnSpc>
+                <a:spcPct val="150000"/>
+              </a:lnSpc>
+              <a:buNone/>
+            </a:pPr>
+            <a:endParaRPr lang="az-Latn-AZ" sz="1400">
+              <a:latin typeface="Arial" panose="020B0604020202020204" pitchFamily="34" charset="0"/>
+              <a:cs typeface="Arial" panose="020B0604020202020204" pitchFamily="34" charset="0"/>
+            </a:endParaRPr>
+          </a:p>
+          <a:p>
+            <a:pPr>
+              <a:lnSpc>
+                <a:spcPct val="150000"/>
+              </a:lnSpc>
+              <a:buNone/>
+            </a:pPr>
+            <a:endParaRPr lang="az-Latn-AZ" sz="1400">
+              <a:latin typeface="Arial" panose="020B0604020202020204" pitchFamily="34" charset="0"/>
+              <a:cs typeface="Arial" panose="020B0604020202020204" pitchFamily="34" charset="0"/>
+            </a:endParaRPr>
+          </a:p>
+          <a:p>
+            <a:pPr>
+              <a:lnSpc>
+                <a:spcPct val="150000"/>
+              </a:lnSpc>
+              <a:buNone/>
+            </a:pPr>
+            <a:endParaRPr lang="az-Latn-AZ" sz="1400">
+              <a:latin typeface="Arial" panose="020B0604020202020204" pitchFamily="34" charset="0"/>
+              <a:cs typeface="Arial" panose="020B0604020202020204" pitchFamily="34" charset="0"/>
+            </a:endParaRPr>
+          </a:p>
+          <a:p>
+            <a:pPr>
+              <a:lnSpc>
+                <a:spcPct val="150000"/>
+              </a:lnSpc>
+              <a:buNone/>
+            </a:pPr>
+            <a:r>
+              <a:rPr lang="en-US" sz="1300" b="1">
+                <a:latin typeface="Arial" panose="020B0604020202020204" pitchFamily="34" charset="0"/>
+                <a:cs typeface="Arial" panose="020B0604020202020204" pitchFamily="34" charset="0"/>
+              </a:rPr>
+              <a:t>Qeyd</a:t>
+            </a:r>
+            <a:r>
+              <a:rPr lang="en-US" sz="1300">
+                <a:latin typeface="Arial" panose="020B0604020202020204" pitchFamily="34" charset="0"/>
+                <a:cs typeface="Arial" panose="020B0604020202020204" pitchFamily="34" charset="0"/>
+              </a:rPr>
+              <a:t>: Əgər </a:t>
+            </a:r>
+            <a:r>
+              <a:rPr lang="en-US" sz="1300" b="1">
+                <a:latin typeface="Arial" panose="020B0604020202020204" pitchFamily="34" charset="0"/>
+                <a:cs typeface="Arial" panose="020B0604020202020204" pitchFamily="34" charset="0"/>
+              </a:rPr>
+              <a:t>$data </a:t>
+            </a:r>
+            <a:r>
+              <a:rPr lang="en-US" sz="1300">
+                <a:latin typeface="Arial" panose="020B0604020202020204" pitchFamily="34" charset="0"/>
+                <a:cs typeface="Arial" panose="020B0604020202020204" pitchFamily="34" charset="0"/>
+              </a:rPr>
+              <a:t>və </a:t>
+            </a:r>
+            <a:r>
+              <a:rPr lang="en-US" sz="1300" b="1">
+                <a:latin typeface="Arial" panose="020B0604020202020204" pitchFamily="34" charset="0"/>
+                <a:cs typeface="Arial" panose="020B0604020202020204" pitchFamily="34" charset="0"/>
+              </a:rPr>
+              <a:t>$mergeData </a:t>
+            </a:r>
+            <a:r>
+              <a:rPr lang="en-US" sz="1300">
+                <a:latin typeface="Arial" panose="020B0604020202020204" pitchFamily="34" charset="0"/>
+                <a:cs typeface="Arial" panose="020B0604020202020204" pitchFamily="34" charset="0"/>
+              </a:rPr>
+              <a:t>içində eyni açar varsa (məs: </a:t>
+            </a:r>
+            <a:r>
+              <a:rPr lang="en-US" sz="1300" b="1">
+                <a:latin typeface="Arial" panose="020B0604020202020204" pitchFamily="34" charset="0"/>
+                <a:cs typeface="Arial" panose="020B0604020202020204" pitchFamily="34" charset="0"/>
+              </a:rPr>
+              <a:t>'name' =&gt; 'Ali' və 'name' =&gt; 'Mehmet')</a:t>
+            </a:r>
+            <a:r>
+              <a:rPr lang="en-US" sz="1300">
+                <a:latin typeface="Arial" panose="020B0604020202020204" pitchFamily="34" charset="0"/>
+                <a:cs typeface="Arial" panose="020B0604020202020204" pitchFamily="34" charset="0"/>
+              </a:rPr>
+              <a:t>, </a:t>
+            </a:r>
+            <a:r>
+              <a:rPr lang="en-US" sz="1300" b="1">
+                <a:solidFill>
+                  <a:srgbClr val="FF0000"/>
+                </a:solidFill>
+                <a:latin typeface="Arial" panose="020B0604020202020204" pitchFamily="34" charset="0"/>
+                <a:cs typeface="Arial" panose="020B0604020202020204" pitchFamily="34" charset="0"/>
+              </a:rPr>
+              <a:t>$mergeData </a:t>
+            </a:r>
+            <a:r>
+              <a:rPr lang="en-US" sz="1300" b="1">
+                <a:solidFill>
+                  <a:srgbClr val="0070C0"/>
+                </a:solidFill>
+                <a:latin typeface="Arial" panose="020B0604020202020204" pitchFamily="34" charset="0"/>
+                <a:cs typeface="Arial" panose="020B0604020202020204" pitchFamily="34" charset="0"/>
+              </a:rPr>
+              <a:t>$data </a:t>
+            </a:r>
+            <a:r>
+              <a:rPr lang="en-US" sz="1300">
+                <a:latin typeface="Arial" panose="020B0604020202020204" pitchFamily="34" charset="0"/>
+                <a:cs typeface="Arial" panose="020B0604020202020204" pitchFamily="34" charset="0"/>
+              </a:rPr>
+              <a:t>üzərində üstünlük qazanır.</a:t>
+            </a:r>
+            <a:r>
+              <a:rPr lang="az-Latn-AZ" sz="1300">
+                <a:latin typeface="Arial" panose="020B0604020202020204" pitchFamily="34" charset="0"/>
+                <a:cs typeface="Arial" panose="020B0604020202020204" pitchFamily="34" charset="0"/>
+              </a:rPr>
+              <a:t> </a:t>
+            </a:r>
+          </a:p>
+          <a:p>
+            <a:pPr>
+              <a:lnSpc>
+                <a:spcPct val="150000"/>
+              </a:lnSpc>
+              <a:buNone/>
+            </a:pPr>
+            <a:endParaRPr lang="az-Latn-AZ" sz="1300">
+              <a:latin typeface="Arial" panose="020B0604020202020204" pitchFamily="34" charset="0"/>
+              <a:cs typeface="Arial" panose="020B0604020202020204" pitchFamily="34" charset="0"/>
+            </a:endParaRPr>
+          </a:p>
+          <a:p>
+            <a:pPr>
+              <a:lnSpc>
+                <a:spcPct val="150000"/>
+              </a:lnSpc>
+              <a:buNone/>
+            </a:pPr>
+            <a:r>
+              <a:rPr lang="az-Latn-AZ" sz="1300">
+                <a:latin typeface="Arial" panose="020B0604020202020204" pitchFamily="34" charset="0"/>
+                <a:cs typeface="Arial" panose="020B0604020202020204" pitchFamily="34" charset="0"/>
+              </a:rPr>
+              <a:t>S</a:t>
+            </a:r>
+            <a:r>
+              <a:rPr lang="en-US" sz="1300">
+                <a:latin typeface="Arial" panose="020B0604020202020204" pitchFamily="34" charset="0"/>
+                <a:cs typeface="Arial" panose="020B0604020202020204" pitchFamily="34" charset="0"/>
+              </a:rPr>
+              <a:t>ən öz kodlarında </a:t>
+            </a:r>
+            <a:r>
+              <a:rPr lang="en-US" sz="1300" b="1">
+                <a:latin typeface="Arial" panose="020B0604020202020204" pitchFamily="34" charset="0"/>
+                <a:cs typeface="Arial" panose="020B0604020202020204" pitchFamily="34" charset="0"/>
+              </a:rPr>
+              <a:t>$mergeData </a:t>
+            </a:r>
+            <a:r>
+              <a:rPr lang="en-US" sz="1300">
+                <a:latin typeface="Arial" panose="020B0604020202020204" pitchFamily="34" charset="0"/>
+                <a:cs typeface="Arial" panose="020B0604020202020204" pitchFamily="34" charset="0"/>
+              </a:rPr>
+              <a:t>istifadə etməsən də olar — Laravel özü onu </a:t>
+            </a:r>
+            <a:r>
+              <a:rPr lang="en-US" sz="1300" b="1">
+                <a:latin typeface="Arial" panose="020B0604020202020204" pitchFamily="34" charset="0"/>
+                <a:cs typeface="Arial" panose="020B0604020202020204" pitchFamily="34" charset="0"/>
+              </a:rPr>
+              <a:t>View::make() </a:t>
+            </a:r>
+            <a:r>
+              <a:rPr lang="en-US" sz="1300">
+                <a:latin typeface="Arial" panose="020B0604020202020204" pitchFamily="34" charset="0"/>
+                <a:cs typeface="Arial" panose="020B0604020202020204" pitchFamily="34" charset="0"/>
+              </a:rPr>
+              <a:t>və ya </a:t>
+            </a:r>
+            <a:r>
+              <a:rPr lang="en-US" sz="1300" b="1">
+                <a:latin typeface="Arial" panose="020B0604020202020204" pitchFamily="34" charset="0"/>
+                <a:cs typeface="Arial" panose="020B0604020202020204" pitchFamily="34" charset="0"/>
+              </a:rPr>
+              <a:t>Blade</a:t>
+            </a:r>
+            <a:r>
+              <a:rPr lang="en-US" sz="1300">
+                <a:latin typeface="Arial" panose="020B0604020202020204" pitchFamily="34" charset="0"/>
+                <a:cs typeface="Arial" panose="020B0604020202020204" pitchFamily="34" charset="0"/>
+              </a:rPr>
+              <a:t> engine içində avtomatik istifadə edir. Amma bilməyin yaxşıdır çünki framework nüvəsində (</a:t>
+            </a:r>
+            <a:r>
+              <a:rPr lang="en-US" sz="1300" b="1">
+                <a:latin typeface="Arial" panose="020B0604020202020204" pitchFamily="34" charset="0"/>
+                <a:cs typeface="Arial" panose="020B0604020202020204" pitchFamily="34" charset="0"/>
+              </a:rPr>
+              <a:t>Illuminate\View\View</a:t>
+            </a:r>
+            <a:r>
+              <a:rPr lang="en-US" sz="1300">
+                <a:latin typeface="Arial" panose="020B0604020202020204" pitchFamily="34" charset="0"/>
+                <a:cs typeface="Arial" panose="020B0604020202020204" pitchFamily="34" charset="0"/>
+              </a:rPr>
+              <a:t>) bu ayrım mühüm rol oynayır.</a:t>
+            </a:r>
+          </a:p>
+        </p:txBody>
+      </p:sp>
+      <p:pic>
+        <p:nvPicPr>
+          <p:cNvPr id="4" name="Picture 3">
+            <a:extLst>
+              <a:ext uri="{FF2B5EF4-FFF2-40B4-BE49-F238E27FC236}">
+                <a16:creationId xmlns:a16="http://schemas.microsoft.com/office/drawing/2014/main" id="{CCE20ADF-14F9-5AF5-6880-29BB06907B5E}"/>
+              </a:ext>
+            </a:extLst>
+          </p:cNvPr>
+          <p:cNvPicPr>
+            <a:picLocks noChangeAspect="1"/>
+          </p:cNvPicPr>
+          <p:nvPr/>
+        </p:nvPicPr>
+        <p:blipFill>
+          <a:blip r:embed="rId2"/>
+          <a:stretch>
+            <a:fillRect/>
+          </a:stretch>
+        </p:blipFill>
+        <p:spPr>
+          <a:xfrm>
+            <a:off x="217714" y="2040871"/>
+            <a:ext cx="4553585" cy="457264"/>
+          </a:xfrm>
+          <a:prstGeom prst="rect">
+            <a:avLst/>
+          </a:prstGeom>
+        </p:spPr>
+      </p:pic>
+      <p:pic>
+        <p:nvPicPr>
+          <p:cNvPr id="6" name="Picture 5">
+            <a:extLst>
+              <a:ext uri="{FF2B5EF4-FFF2-40B4-BE49-F238E27FC236}">
+                <a16:creationId xmlns:a16="http://schemas.microsoft.com/office/drawing/2014/main" id="{D2525EF1-9996-B34D-34EB-31D5CB0CBF7E}"/>
+              </a:ext>
+            </a:extLst>
+          </p:cNvPr>
+          <p:cNvPicPr>
+            <a:picLocks noChangeAspect="1"/>
+          </p:cNvPicPr>
+          <p:nvPr/>
+        </p:nvPicPr>
+        <p:blipFill>
+          <a:blip r:embed="rId3"/>
+          <a:stretch>
+            <a:fillRect/>
+          </a:stretch>
+        </p:blipFill>
+        <p:spPr>
+          <a:xfrm>
+            <a:off x="217714" y="3546862"/>
+            <a:ext cx="1933845" cy="1143160"/>
+          </a:xfrm>
+          <a:prstGeom prst="rect">
+            <a:avLst/>
+          </a:prstGeom>
+        </p:spPr>
+      </p:pic>
+    </p:spTree>
+    <p:extLst>
+      <p:ext uri="{BB962C8B-B14F-4D97-AF65-F5344CB8AC3E}">
+        <p14:creationId xmlns:p14="http://schemas.microsoft.com/office/powerpoint/2010/main" val="78503038"/>
+      </p:ext>
+    </p:extLst>
+  </p:cSld>
+  <p:clrMapOvr>
+    <a:masterClrMapping/>
+  </p:clrMapOvr>
+</p:sld>
+</file>
+
+<file path=ppt/slides/slide9.xml><?xml version="1.0" encoding="utf-8"?>
+<p:sld xmlns:a="http://schemas.openxmlformats.org/drawingml/2006/main" xmlns:r="http://schemas.openxmlformats.org/officeDocument/2006/relationships" xmlns:p="http://schemas.openxmlformats.org/presentationml/2006/main">
+  <p:cSld>
+    <p:spTree>
+      <p:nvGrpSpPr>
+        <p:cNvPr id="1" name="">
+          <a:extLst>
+            <a:ext uri="{FF2B5EF4-FFF2-40B4-BE49-F238E27FC236}">
+              <a16:creationId xmlns:a16="http://schemas.microsoft.com/office/drawing/2014/main" id="{E0B5987C-067B-1D6F-42D8-F3D55FEAC068}"/>
+            </a:ext>
+          </a:extLst>
+        </p:cNvPr>
+        <p:cNvGrpSpPr/>
+        <p:nvPr/>
+      </p:nvGrpSpPr>
+      <p:grpSpPr>
+        <a:xfrm>
+          <a:off x="0" y="0"/>
+          <a:ext cx="0" cy="0"/>
+          <a:chOff x="0" y="0"/>
+          <a:chExt cx="0" cy="0"/>
+        </a:xfrm>
+      </p:grpSpPr>
+      <p:sp>
+        <p:nvSpPr>
+          <p:cNvPr id="3" name="TextBox 2">
+            <a:extLst>
+              <a:ext uri="{FF2B5EF4-FFF2-40B4-BE49-F238E27FC236}">
+                <a16:creationId xmlns:a16="http://schemas.microsoft.com/office/drawing/2014/main" id="{0D4298AF-6E96-8136-8E11-9D9059E6C437}"/>
+              </a:ext>
+            </a:extLst>
+          </p:cNvPr>
+          <p:cNvSpPr txBox="1"/>
+          <p:nvPr/>
+        </p:nvSpPr>
+        <p:spPr>
+          <a:xfrm>
+            <a:off x="217714" y="255046"/>
             <a:ext cx="11756571" cy="655436"/>
           </a:xfrm>
           <a:prstGeom prst="rect">
@@ -5930,7 +6573,7 @@
     </p:spTree>
     <p:extLst>
       <p:ext uri="{BB962C8B-B14F-4D97-AF65-F5344CB8AC3E}">
-        <p14:creationId xmlns:p14="http://schemas.microsoft.com/office/powerpoint/2010/main" val="78503038"/>
+        <p14:creationId xmlns:p14="http://schemas.microsoft.com/office/powerpoint/2010/main" val="1682475966"/>
       </p:ext>
     </p:extLst>
   </p:cSld>
